--- a/slides/Python_Workshop_7.pptx
+++ b/slides/Python_Workshop_7.pptx
@@ -117,6 +117,11 @@
       </a:defRPr>
     </a:lvl9pPr>
   </p:defaultTextStyle>
+  <p:extLst>
+    <p:ext uri="{EFAFB233-063F-42B5-8137-9DF3F51BA10A}">
+      <p15:sldGuideLst xmlns:p15="http://schemas.microsoft.com/office/powerpoint/2012/main"/>
+    </p:ext>
+  </p:extLst>
 </p:presentation>
 </file>
 
@@ -4513,6 +4518,23 @@
               <a:rPr dirty="0"/>
               <a:t>() – Finds first match</a:t>
             </a:r>
+            <a:r>
+              <a:rPr lang="zh-TW" altLang="en-US" dirty="0"/>
+              <a:t> </a:t>
+            </a:r>
+            <a:r>
+              <a:rPr lang="en-US" altLang="zh-TW" dirty="0">
+                <a:sym typeface="Wingdings" panose="05000000000000000000" pitchFamily="2" charset="2"/>
+              </a:rPr>
+              <a:t> </a:t>
+            </a:r>
+            <a:r>
+              <a:rPr lang="en-US" altLang="zh-TW">
+                <a:sym typeface="Wingdings" panose="05000000000000000000" pitchFamily="2" charset="2"/>
+              </a:rPr>
+              <a:t>.group()</a:t>
+            </a:r>
+            <a:endParaRPr dirty="0"/>
           </a:p>
           <a:p>
             <a:r>
